--- a/Slides/02_Ch7_ttest.pptx
+++ b/Slides/02_Ch7_ttest.pptx
@@ -284,7 +284,7 @@
           <a:p>
             <a:fld id="{463B2355-98C8-451F-BE71-5FA915B2B77F}" type="datetimeFigureOut">
               <a:rPr lang="en-US" smtClean="0"/>
-              <a:t>2/8/18</a:t>
+              <a:t>2/9/18</a:t>
             </a:fld>
             <a:endParaRPr lang="en-US"/>
           </a:p>
@@ -2333,7 +2333,7 @@
           <a:p>
             <a:fld id="{C41BB906-E02A-4631-A9D3-1A444BC6FB91}" type="datetime1">
               <a:rPr lang="en-US" smtClean="0"/>
-              <a:t>2/8/18</a:t>
+              <a:t>2/9/18</a:t>
             </a:fld>
             <a:endParaRPr lang="en-US"/>
           </a:p>
@@ -2611,7 +2611,7 @@
           <a:p>
             <a:fld id="{C85551E2-6DF5-4122-94D6-E9F52ADDD658}" type="datetime1">
               <a:rPr lang="en-US" smtClean="0"/>
-              <a:t>2/8/18</a:t>
+              <a:t>2/9/18</a:t>
             </a:fld>
             <a:endParaRPr lang="en-US"/>
           </a:p>
@@ -2809,7 +2809,7 @@
           <a:p>
             <a:fld id="{C85551E2-6DF5-4122-94D6-E9F52ADDD658}" type="datetime1">
               <a:rPr lang="en-US" smtClean="0"/>
-              <a:t>2/8/18</a:t>
+              <a:t>2/9/18</a:t>
             </a:fld>
             <a:endParaRPr lang="en-US"/>
           </a:p>
@@ -3086,7 +3086,7 @@
           <a:p>
             <a:fld id="{C85551E2-6DF5-4122-94D6-E9F52ADDD658}" type="datetime1">
               <a:rPr lang="en-US" smtClean="0"/>
-              <a:t>2/8/18</a:t>
+              <a:t>2/9/18</a:t>
             </a:fld>
             <a:endParaRPr lang="en-US"/>
           </a:p>
@@ -3431,7 +3431,7 @@
           <a:p>
             <a:fld id="{C85551E2-6DF5-4122-94D6-E9F52ADDD658}" type="datetime1">
               <a:rPr lang="en-US" smtClean="0"/>
-              <a:t>2/8/18</a:t>
+              <a:t>2/9/18</a:t>
             </a:fld>
             <a:endParaRPr lang="en-US"/>
           </a:p>
@@ -4058,7 +4058,7 @@
           <a:p>
             <a:fld id="{C85551E2-6DF5-4122-94D6-E9F52ADDD658}" type="datetime1">
               <a:rPr lang="en-US" smtClean="0"/>
-              <a:t>2/8/18</a:t>
+              <a:t>2/9/18</a:t>
             </a:fld>
             <a:endParaRPr lang="en-US"/>
           </a:p>
@@ -4922,7 +4922,7 @@
           <a:p>
             <a:fld id="{C85551E2-6DF5-4122-94D6-E9F52ADDD658}" type="datetime1">
               <a:rPr lang="en-US" smtClean="0"/>
-              <a:t>2/8/18</a:t>
+              <a:t>2/9/18</a:t>
             </a:fld>
             <a:endParaRPr lang="en-US"/>
           </a:p>
@@ -5096,7 +5096,7 @@
           <a:p>
             <a:fld id="{BD8BFCD5-0679-4AAE-9E88-72689E290DC0}" type="datetime1">
               <a:rPr lang="en-US" smtClean="0"/>
-              <a:t>2/8/18</a:t>
+              <a:t>2/9/18</a:t>
             </a:fld>
             <a:endParaRPr lang="en-US"/>
           </a:p>
@@ -5279,7 +5279,7 @@
           <a:p>
             <a:fld id="{2A5A6AAE-B8FC-4895-A6C3-B664F53991E4}" type="datetime1">
               <a:rPr lang="en-US" smtClean="0"/>
-              <a:t>2/8/18</a:t>
+              <a:t>2/9/18</a:t>
             </a:fld>
             <a:endParaRPr lang="en-US"/>
           </a:p>
@@ -5452,7 +5452,7 @@
           <a:p>
             <a:fld id="{0C347EB5-8B41-468D-855C-7A1A5286B8FB}" type="datetime1">
               <a:rPr lang="en-US" smtClean="0"/>
-              <a:t>2/8/18</a:t>
+              <a:t>2/9/18</a:t>
             </a:fld>
             <a:endParaRPr lang="en-US"/>
           </a:p>
@@ -5702,7 +5702,7 @@
           <a:p>
             <a:fld id="{4A50FAE3-40EF-4F10-A0DC-55C541DD861E}" type="datetime1">
               <a:rPr lang="en-US" smtClean="0"/>
-              <a:t>2/8/18</a:t>
+              <a:t>2/9/18</a:t>
             </a:fld>
             <a:endParaRPr lang="en-US"/>
           </a:p>
@@ -5997,7 +5997,7 @@
           <a:p>
             <a:fld id="{87DFEED5-1FD6-4A4E-8D44-68E614897E6E}" type="datetime1">
               <a:rPr lang="en-US" smtClean="0"/>
-              <a:t>2/8/18</a:t>
+              <a:t>2/9/18</a:t>
             </a:fld>
             <a:endParaRPr lang="en-US"/>
           </a:p>
@@ -6444,7 +6444,7 @@
           <a:p>
             <a:fld id="{F12C4B72-6149-40A2-A1DC-D316C1EC3829}" type="datetime1">
               <a:rPr lang="en-US" smtClean="0"/>
-              <a:t>2/8/18</a:t>
+              <a:t>2/9/18</a:t>
             </a:fld>
             <a:endParaRPr lang="en-US"/>
           </a:p>
@@ -6565,7 +6565,7 @@
           <a:p>
             <a:fld id="{B6E7FFDD-1CCC-4145-9D82-0C7680E3E6DE}" type="datetime1">
               <a:rPr lang="en-US" smtClean="0"/>
-              <a:t>2/8/18</a:t>
+              <a:t>2/9/18</a:t>
             </a:fld>
             <a:endParaRPr lang="en-US"/>
           </a:p>
@@ -6663,7 +6663,7 @@
           <a:p>
             <a:fld id="{9FD32983-8B80-44D7-AAFB-C9F81FB6A331}" type="datetime1">
               <a:rPr lang="en-US" smtClean="0"/>
-              <a:t>2/8/18</a:t>
+              <a:t>2/9/18</a:t>
             </a:fld>
             <a:endParaRPr lang="en-US"/>
           </a:p>
@@ -6945,7 +6945,7 @@
           <a:p>
             <a:fld id="{2AFC3D92-FF80-40B0-ADD3-B34BA87CDC2B}" type="datetime1">
               <a:rPr lang="en-US" smtClean="0"/>
-              <a:t>2/8/18</a:t>
+              <a:t>2/9/18</a:t>
             </a:fld>
             <a:endParaRPr lang="en-US"/>
           </a:p>
@@ -7223,7 +7223,7 @@
           <a:p>
             <a:fld id="{BEBED78B-DAEA-4ACD-AC41-E7F2D3DEA04A}" type="datetime1">
               <a:rPr lang="en-US" smtClean="0"/>
-              <a:t>2/8/18</a:t>
+              <a:t>2/9/18</a:t>
             </a:fld>
             <a:endParaRPr lang="en-US"/>
           </a:p>
@@ -7655,7 +7655,7 @@
           <a:p>
             <a:fld id="{C85551E2-6DF5-4122-94D6-E9F52ADDD658}" type="datetime1">
               <a:rPr lang="en-US" smtClean="0"/>
-              <a:t>2/8/18</a:t>
+              <a:t>2/9/18</a:t>
             </a:fld>
             <a:endParaRPr lang="en-US"/>
           </a:p>
@@ -9134,7 +9134,7 @@
                 <a:latin typeface="Consolas" panose="020B0609020204030204" pitchFamily="49" charset="0"/>
                 <a:cs typeface="Consolas" panose="020B0609020204030204" pitchFamily="49" charset="0"/>
               </a:rPr>
-              <a:t>#&gt; -10.8701282   0.8701282</a:t>
+              <a:t>#&gt;   -10.8701282   0.8701282</a:t>
             </a:r>
           </a:p>
           <a:p>
@@ -12856,7 +12856,7 @@
         <p:spPr>
           <a:xfrm>
             <a:off x="634528" y="1386848"/>
-            <a:ext cx="9603486" cy="5047536"/>
+            <a:ext cx="9603486" cy="5139869"/>
           </a:xfrm>
           <a:prstGeom prst="rect">
             <a:avLst/>
@@ -12950,7 +12950,7 @@
                 <a:latin typeface="Consolas" panose="020B0609020204030204" pitchFamily="49" charset="0"/>
                 <a:cs typeface="Consolas" panose="020B0609020204030204" pitchFamily="49" charset="0"/>
               </a:rPr>
-              <a:t>                  center = "mean”)</a:t>
+              <a:t>                  center = "mean")</a:t>
             </a:r>
           </a:p>
           <a:p>
@@ -13323,7 +13323,21 @@
                 <a:latin typeface="Consolas" panose="020B0609020204030204" pitchFamily="49" charset="0"/>
                 <a:cs typeface="Consolas" panose="020B0609020204030204" pitchFamily="49" charset="0"/>
               </a:rPr>
-              <a:t>#&gt;   1.098587 6.601413sample estimates:</a:t>
+              <a:t>#&gt;   1.098587 6.601413</a:t>
+            </a:r>
+          </a:p>
+          <a:p>
+            <a:r>
+              <a:rPr lang="en-US" sz="1400" dirty="0">
+                <a:solidFill>
+                  <a:schemeClr val="accent5">
+                    <a:lumMod val="50000"/>
+                  </a:schemeClr>
+                </a:solidFill>
+                <a:latin typeface="Consolas" panose="020B0609020204030204" pitchFamily="49" charset="0"/>
+                <a:cs typeface="Consolas" panose="020B0609020204030204" pitchFamily="49" charset="0"/>
+              </a:rPr>
+              <a:t>#&gt; sample estimates:</a:t>
             </a:r>
           </a:p>
           <a:p>
@@ -15392,8 +15406,8 @@
           </a:p>
         </p:txBody>
       </p:sp>
-      <mc:AlternateContent xmlns:mc="http://schemas.openxmlformats.org/markup-compatibility/2006">
-        <mc:Choice xmlns:a14="http://schemas.microsoft.com/office/drawing/2010/main" Requires="a14">
+      <mc:AlternateContent xmlns:mc="http://schemas.openxmlformats.org/markup-compatibility/2006" xmlns:a14="http://schemas.microsoft.com/office/drawing/2010/main">
+        <mc:Choice Requires="a14">
           <p:sp>
             <p:nvSpPr>
               <p:cNvPr id="7" name="TextBox 6"/>
@@ -16011,7 +16025,7 @@
             </p:txBody>
           </p:sp>
         </mc:Choice>
-        <mc:Fallback>
+        <mc:Fallback xmlns="">
           <p:sp>
             <p:nvSpPr>
               <p:cNvPr id="7" name="TextBox 6"/>
@@ -16093,8 +16107,8 @@
           </a:fontRef>
         </p:style>
       </p:cxnSp>
-      <mc:AlternateContent xmlns:mc="http://schemas.openxmlformats.org/markup-compatibility/2006">
-        <mc:Choice xmlns:a14="http://schemas.microsoft.com/office/drawing/2010/main" Requires="a14">
+      <mc:AlternateContent xmlns:mc="http://schemas.openxmlformats.org/markup-compatibility/2006" xmlns:a14="http://schemas.microsoft.com/office/drawing/2010/main">
+        <mc:Choice Requires="a14">
           <p:sp>
             <p:nvSpPr>
               <p:cNvPr id="13" name="Rectangle 12"/>
@@ -16264,7 +16278,7 @@
             </p:txBody>
           </p:sp>
         </mc:Choice>
-        <mc:Fallback>
+        <mc:Fallback xmlns="">
           <p:sp>
             <p:nvSpPr>
               <p:cNvPr id="13" name="Rectangle 12"/>
@@ -16955,8 +16969,8 @@
           </a:p>
         </p:txBody>
       </p:sp>
-      <mc:AlternateContent xmlns:mc="http://schemas.openxmlformats.org/markup-compatibility/2006">
-        <mc:Choice xmlns:a14="http://schemas.microsoft.com/office/drawing/2010/main" Requires="a14">
+      <mc:AlternateContent xmlns:mc="http://schemas.openxmlformats.org/markup-compatibility/2006" xmlns:a14="http://schemas.microsoft.com/office/drawing/2010/main">
+        <mc:Choice Requires="a14">
           <p:sp>
             <p:nvSpPr>
               <p:cNvPr id="8" name="TextBox 7"/>
@@ -17429,7 +17443,7 @@
             </p:txBody>
           </p:sp>
         </mc:Choice>
-        <mc:Fallback>
+        <mc:Fallback xmlns="">
           <p:sp>
             <p:nvSpPr>
               <p:cNvPr id="8" name="TextBox 7"/>
@@ -17512,8 +17526,8 @@
           </a:fontRef>
         </p:style>
       </p:cxnSp>
-      <mc:AlternateContent xmlns:mc="http://schemas.openxmlformats.org/markup-compatibility/2006">
-        <mc:Choice xmlns:a14="http://schemas.microsoft.com/office/drawing/2010/main" Requires="a14">
+      <mc:AlternateContent xmlns:mc="http://schemas.openxmlformats.org/markup-compatibility/2006" xmlns:a14="http://schemas.microsoft.com/office/drawing/2010/main">
+        <mc:Choice Requires="a14">
           <p:sp>
             <p:nvSpPr>
               <p:cNvPr id="25" name="TextBox 24"/>
@@ -17952,7 +17966,7 @@
             </p:txBody>
           </p:sp>
         </mc:Choice>
-        <mc:Fallback>
+        <mc:Fallback xmlns="">
           <p:sp>
             <p:nvSpPr>
               <p:cNvPr id="25" name="TextBox 24"/>
@@ -17996,8 +18010,8 @@
           </p:sp>
         </mc:Fallback>
       </mc:AlternateContent>
-      <mc:AlternateContent xmlns:mc="http://schemas.openxmlformats.org/markup-compatibility/2006">
-        <mc:Choice xmlns:a14="http://schemas.microsoft.com/office/drawing/2010/main" Requires="a14">
+      <mc:AlternateContent xmlns:mc="http://schemas.openxmlformats.org/markup-compatibility/2006" xmlns:a14="http://schemas.microsoft.com/office/drawing/2010/main">
+        <mc:Choice Requires="a14">
           <p:sp>
             <p:nvSpPr>
               <p:cNvPr id="27" name="Rectangle 26"/>
@@ -18413,7 +18427,7 @@
             </p:txBody>
           </p:sp>
         </mc:Choice>
-        <mc:Fallback>
+        <mc:Fallback xmlns="">
           <p:sp>
             <p:nvSpPr>
               <p:cNvPr id="27" name="Rectangle 26"/>
@@ -18459,8 +18473,8 @@
           </p:sp>
         </mc:Fallback>
       </mc:AlternateContent>
-      <mc:AlternateContent xmlns:mc="http://schemas.openxmlformats.org/markup-compatibility/2006">
-        <mc:Choice xmlns:a14="http://schemas.microsoft.com/office/drawing/2010/main" Requires="a14">
+      <mc:AlternateContent xmlns:mc="http://schemas.openxmlformats.org/markup-compatibility/2006" xmlns:a14="http://schemas.microsoft.com/office/drawing/2010/main">
+        <mc:Choice Requires="a14">
           <p:sp>
             <p:nvSpPr>
               <p:cNvPr id="28" name="TextBox 27"/>
@@ -18630,7 +18644,7 @@
             </p:txBody>
           </p:sp>
         </mc:Choice>
-        <mc:Fallback>
+        <mc:Fallback xmlns="">
           <p:sp>
             <p:nvSpPr>
               <p:cNvPr id="28" name="TextBox 27"/>
@@ -18674,8 +18688,8 @@
           </p:sp>
         </mc:Fallback>
       </mc:AlternateContent>
-      <mc:AlternateContent xmlns:mc="http://schemas.openxmlformats.org/markup-compatibility/2006">
-        <mc:Choice xmlns:a14="http://schemas.microsoft.com/office/drawing/2010/main" Requires="a14">
+      <mc:AlternateContent xmlns:mc="http://schemas.openxmlformats.org/markup-compatibility/2006" xmlns:a14="http://schemas.microsoft.com/office/drawing/2010/main">
+        <mc:Choice Requires="a14">
           <p:sp>
             <p:nvSpPr>
               <p:cNvPr id="29" name="TextBox 28"/>
@@ -18954,7 +18968,7 @@
             </p:txBody>
           </p:sp>
         </mc:Choice>
-        <mc:Fallback>
+        <mc:Fallback xmlns="">
           <p:sp>
             <p:nvSpPr>
               <p:cNvPr id="29" name="TextBox 28"/>
@@ -19834,8 +19848,8 @@
         </p:nvSpPr>
         <p:spPr>
           <a:xfrm>
-            <a:off x="909291" y="1546355"/>
-            <a:ext cx="5883342" cy="5147563"/>
+            <a:off x="909291" y="1442480"/>
+            <a:ext cx="5883342" cy="5286062"/>
           </a:xfrm>
           <a:prstGeom prst="rect">
             <a:avLst/>
@@ -20156,8 +20170,10 @@
                 <a:latin typeface="Consolas" panose="020B0609020204030204" pitchFamily="49" charset="0"/>
                 <a:cs typeface="Consolas" panose="020B0609020204030204" pitchFamily="49" charset="0"/>
               </a:rPr>
-              <a:t>## Check Means and </a:t>
-            </a:r>
+              <a:t>## Check Means and SD’s</a:t>
+            </a:r>
+          </a:p>
+          <a:p>
             <a:r>
               <a:rPr lang="en-US" dirty="0" err="1">
                 <a:solidFill>
@@ -20168,7 +20184,7 @@
                 <a:latin typeface="Consolas" panose="020B0609020204030204" pitchFamily="49" charset="0"/>
                 <a:cs typeface="Consolas" panose="020B0609020204030204" pitchFamily="49" charset="0"/>
               </a:rPr>
-              <a:t>SD’sdf_long</a:t>
+              <a:t>df_long</a:t>
             </a:r>
             <a:r>
               <a:rPr lang="en-US" dirty="0">
@@ -21044,7 +21060,7 @@
                 <a:latin typeface="Consolas" panose="020B0609020204030204" pitchFamily="49" charset="0"/>
                 <a:cs typeface="Consolas" panose="020B0609020204030204" pitchFamily="49" charset="0"/>
               </a:rPr>
-              <a:t>(value ~ group, data = .)</a:t>
+              <a:t>(value ~ group, data = ., center = "mean")</a:t>
             </a:r>
           </a:p>
           <a:p>
@@ -21093,7 +21109,7 @@
                 <a:latin typeface="Consolas" panose="020B0609020204030204" pitchFamily="49" charset="0"/>
                 <a:cs typeface="Consolas" panose="020B0609020204030204" pitchFamily="49" charset="0"/>
               </a:rPr>
-              <a:t> Test for Homogeneity of Variance (center = median)</a:t>
+              <a:t> Test for Homogeneity of Variance (center = mean) </a:t>
             </a:r>
           </a:p>
           <a:p>
@@ -21169,7 +21185,7 @@
                 <a:latin typeface="Consolas" panose="020B0609020204030204" pitchFamily="49" charset="0"/>
                 <a:cs typeface="Consolas" panose="020B0609020204030204" pitchFamily="49" charset="0"/>
               </a:rPr>
-              <a:t>#&gt; group  1       0      1</a:t>
+              <a:t>#&gt; group  1     .20   .667</a:t>
             </a:r>
           </a:p>
           <a:p>
